--- a/Documentos Úteis/ApresentacaoDia21.pptx
+++ b/Documentos Úteis/ApresentacaoDia21.pptx
@@ -113,6 +113,11 @@
       </a:defRPr>
     </a:lvl9pPr>
   </p:defaultTextStyle>
+  <p:extLst>
+    <p:ext uri="{EFAFB233-063F-42B5-8137-9DF3F51BA10A}">
+      <p15:sldGuideLst xmlns:p15="http://schemas.microsoft.com/office/powerpoint/2012/main"/>
+    </p:ext>
+  </p:extLst>
 </p:presentation>
 </file>
 
@@ -4412,6 +4417,13 @@
   <p:clrMapOvr>
     <a:masterClrMapping/>
   </p:clrMapOvr>
+  <p:timing>
+    <p:tnLst>
+      <p:par>
+        <p:cTn id="1" dur="indefinite" restart="never" nodeType="tmRoot"/>
+      </p:par>
+    </p:tnLst>
+  </p:timing>
 </p:sld>
 </file>
 
@@ -4506,10 +4518,117 @@
         </p:nvSpPr>
         <p:spPr/>
         <p:txBody>
-          <a:bodyPr/>
-          <a:lstStyle/>
-          <a:p>
-            <a:endParaRPr lang="en-GB" dirty="0"/>
+          <a:bodyPr>
+            <a:normAutofit/>
+          </a:bodyPr>
+          <a:lstStyle/>
+          <a:p>
+            <a:r>
+              <a:rPr lang="en-GB" sz="2800" dirty="0" err="1" smtClean="0"/>
+              <a:t>Comunidades</a:t>
+            </a:r>
+            <a:r>
+              <a:rPr lang="en-GB" sz="2800" dirty="0" smtClean="0"/>
+              <a:t> </a:t>
+            </a:r>
+            <a:r>
+              <a:rPr lang="en-GB" sz="2800" dirty="0" err="1" smtClean="0"/>
+              <a:t>dedicadas</a:t>
+            </a:r>
+            <a:r>
+              <a:rPr lang="en-GB" sz="2800" dirty="0" smtClean="0"/>
+              <a:t> à </a:t>
+            </a:r>
+            <a:r>
+              <a:rPr lang="en-GB" sz="2800" dirty="0" err="1" smtClean="0"/>
+              <a:t>Economia</a:t>
+            </a:r>
+            <a:r>
+              <a:rPr lang="en-GB" sz="2800" dirty="0" smtClean="0"/>
+              <a:t> </a:t>
+            </a:r>
+            <a:r>
+              <a:rPr lang="en-GB" sz="2800" dirty="0" err="1" smtClean="0"/>
+              <a:t>Solidária</a:t>
+            </a:r>
+            <a:r>
+              <a:rPr lang="en-GB" sz="2800" dirty="0" smtClean="0"/>
+              <a:t>, </a:t>
+            </a:r>
+            <a:r>
+              <a:rPr lang="en-GB" sz="2800" dirty="0" err="1" smtClean="0"/>
+              <a:t>troca</a:t>
+            </a:r>
+            <a:r>
+              <a:rPr lang="en-GB" sz="2800" dirty="0" smtClean="0"/>
+              <a:t> de bens e </a:t>
+            </a:r>
+            <a:r>
+              <a:rPr lang="en-GB" sz="2800" dirty="0" err="1" smtClean="0"/>
+              <a:t>conhecimento</a:t>
+            </a:r>
+            <a:endParaRPr lang="en-GB" sz="2800" dirty="0" smtClean="0"/>
+          </a:p>
+          <a:p>
+            <a:endParaRPr lang="en-GB" sz="2800" dirty="0"/>
+          </a:p>
+          <a:p>
+            <a:r>
+              <a:rPr lang="en-GB" sz="2800" dirty="0" err="1" smtClean="0"/>
+              <a:t>Existentes</a:t>
+            </a:r>
+            <a:r>
+              <a:rPr lang="en-GB" sz="2800" dirty="0" smtClean="0"/>
+              <a:t> </a:t>
+            </a:r>
+            <a:r>
+              <a:rPr lang="en-GB" sz="2800" dirty="0" err="1" smtClean="0"/>
+              <a:t>em</a:t>
+            </a:r>
+            <a:r>
+              <a:rPr lang="en-GB" sz="2800" dirty="0" smtClean="0"/>
+              <a:t> </a:t>
+            </a:r>
+            <a:r>
+              <a:rPr lang="en-GB" sz="2800" dirty="0" err="1" smtClean="0"/>
+              <a:t>todas</a:t>
+            </a:r>
+            <a:r>
+              <a:rPr lang="en-GB" sz="2800" dirty="0" smtClean="0"/>
+              <a:t> as </a:t>
+            </a:r>
+            <a:r>
+              <a:rPr lang="en-GB" sz="2800" dirty="0" err="1" smtClean="0"/>
+              <a:t>cidades</a:t>
+            </a:r>
+            <a:r>
+              <a:rPr lang="en-GB" sz="2800" dirty="0" smtClean="0"/>
+              <a:t>, mas </a:t>
+            </a:r>
+            <a:r>
+              <a:rPr lang="en-GB" sz="2800" dirty="0" err="1" smtClean="0"/>
+              <a:t>dispersas</a:t>
+            </a:r>
+            <a:r>
+              <a:rPr lang="en-GB" sz="2800" dirty="0" smtClean="0"/>
+              <a:t> </a:t>
+            </a:r>
+            <a:r>
+              <a:rPr lang="en-GB" sz="2800" dirty="0" err="1" smtClean="0"/>
+              <a:t>ou</a:t>
+            </a:r>
+            <a:r>
+              <a:rPr lang="en-GB" sz="2800" dirty="0" smtClean="0"/>
+              <a:t> </a:t>
+            </a:r>
+            <a:r>
+              <a:rPr lang="en-GB" sz="2800" dirty="0" err="1" smtClean="0"/>
+              <a:t>isoladas</a:t>
+            </a:r>
+            <a:r>
+              <a:rPr lang="en-GB" sz="2800" dirty="0" smtClean="0"/>
+              <a:t>, com </a:t>
+            </a:r>
           </a:p>
         </p:txBody>
       </p:sp>
@@ -4523,6 +4642,13 @@
   <p:clrMapOvr>
     <a:masterClrMapping/>
   </p:clrMapOvr>
+  <p:timing>
+    <p:tnLst>
+      <p:par>
+        <p:cTn id="1" dur="indefinite" restart="never" nodeType="tmRoot"/>
+      </p:par>
+    </p:tnLst>
+  </p:timing>
 </p:sld>
 </file>
 
@@ -4612,10 +4738,51 @@
         </p:nvSpPr>
         <p:spPr/>
         <p:txBody>
-          <a:bodyPr/>
-          <a:lstStyle/>
-          <a:p>
-            <a:endParaRPr lang="en-GB"/>
+          <a:bodyPr>
+            <a:normAutofit/>
+          </a:bodyPr>
+          <a:lstStyle/>
+          <a:p>
+            <a:pPr marL="0" indent="0">
+              <a:buNone/>
+            </a:pPr>
+            <a:r>
+              <a:rPr lang="pt-PT" sz="2800" dirty="0" smtClean="0"/>
+              <a:t>Soluções já existem, mas</a:t>
+            </a:r>
+            <a:r>
+              <a:rPr lang="pt-PT" dirty="0" smtClean="0"/>
+              <a:t> </a:t>
+            </a:r>
+            <a:r>
+              <a:rPr lang="pt-PT" sz="2800" dirty="0" smtClean="0"/>
+              <a:t>não satisfazem as necessidades de uma ferramenta universal:</a:t>
+            </a:r>
+          </a:p>
+          <a:p>
+            <a:pPr marL="0" indent="0">
+              <a:buNone/>
+            </a:pPr>
+            <a:endParaRPr lang="pt-PT" sz="2800" dirty="0" smtClean="0"/>
+          </a:p>
+          <a:p>
+            <a:r>
+              <a:rPr lang="pt-PT" dirty="0" smtClean="0"/>
+              <a:t>Restritas às regras de negócio de uma comunidade isolada, inadequada a outras</a:t>
+            </a:r>
+          </a:p>
+          <a:p>
+            <a:r>
+              <a:rPr lang="pt-PT" dirty="0" smtClean="0"/>
+              <a:t>Processo de establecer ou manter a plataforma demasiado complicado</a:t>
+            </a:r>
+          </a:p>
+          <a:p>
+            <a:r>
+              <a:rPr lang="pt-PT" dirty="0" smtClean="0"/>
+              <a:t>Tem dominio geográfico demasiado extenso</a:t>
+            </a:r>
+            <a:endParaRPr lang="pt-PT" dirty="0"/>
           </a:p>
         </p:txBody>
       </p:sp>
@@ -4721,7 +4888,51 @@
           <a:bodyPr/>
           <a:lstStyle/>
           <a:p>
-            <a:endParaRPr lang="en-GB"/>
+            <a:r>
+              <a:rPr lang="pt-PT" dirty="0" smtClean="0"/>
+              <a:t>Aplicação Web dedicada apenas a uma localidade, </a:t>
+            </a:r>
+            <a:r>
+              <a:rPr lang="pt-PT" dirty="0"/>
+              <a:t>âmbito </a:t>
+            </a:r>
+            <a:r>
+              <a:rPr lang="pt-PT" dirty="0" smtClean="0"/>
+              <a:t>reduzido.</a:t>
+            </a:r>
+            <a:endParaRPr lang="pt-PT" dirty="0" smtClean="0"/>
+          </a:p>
+          <a:p>
+            <a:r>
+              <a:rPr lang="pt-PT" dirty="0" smtClean="0"/>
+              <a:t>Múltiplas, mas simples, configurações que </a:t>
+            </a:r>
+            <a:r>
+              <a:rPr lang="pt-PT" dirty="0"/>
+              <a:t>abranjam </a:t>
+            </a:r>
+            <a:r>
+              <a:rPr lang="pt-PT" dirty="0" smtClean="0"/>
+              <a:t>diferentes normas de grupos.</a:t>
+            </a:r>
+          </a:p>
+          <a:p>
+            <a:endParaRPr lang="pt-PT" dirty="0" smtClean="0"/>
+          </a:p>
+          <a:p>
+            <a:r>
+              <a:rPr lang="pt-PT" dirty="0" smtClean="0"/>
+              <a:t>Fácil manutençao, e documentação completa</a:t>
+            </a:r>
+            <a:r>
+              <a:rPr lang="pt-PT" dirty="0"/>
+              <a:t>. Escalabilidade atravéz de fundação de plataformas com servidores separados para cada local</a:t>
+            </a:r>
+            <a:r>
+              <a:rPr lang="pt-PT" dirty="0" smtClean="0"/>
+              <a:t>.</a:t>
+            </a:r>
+            <a:endParaRPr lang="pt-PT" dirty="0"/>
           </a:p>
         </p:txBody>
       </p:sp>

--- a/Documentos Úteis/ApresentacaoDia21.pptx
+++ b/Documentos Úteis/ApresentacaoDia21.pptx
@@ -4625,10 +4625,7 @@
               <a:rPr lang="en-GB" sz="2800" dirty="0" err="1" smtClean="0"/>
               <a:t>isoladas</a:t>
             </a:r>
-            <a:r>
-              <a:rPr lang="en-GB" sz="2800" dirty="0" smtClean="0"/>
-              <a:t>, com </a:t>
-            </a:r>
+            <a:endParaRPr lang="en-GB" sz="2800" dirty="0" smtClean="0"/>
           </a:p>
         </p:txBody>
       </p:sp>
@@ -4900,7 +4897,6 @@
               <a:rPr lang="pt-PT" dirty="0" smtClean="0"/>
               <a:t>reduzido.</a:t>
             </a:r>
-            <a:endParaRPr lang="pt-PT" dirty="0" smtClean="0"/>
           </a:p>
           <a:p>
             <a:r>
@@ -4913,10 +4909,12 @@
             </a:r>
             <a:r>
               <a:rPr lang="pt-PT" dirty="0" smtClean="0"/>
-              <a:t>diferentes normas de grupos.</a:t>
-            </a:r>
-          </a:p>
-          <a:p>
+              <a:t>diferentes normas de grupos</a:t>
+            </a:r>
+            <a:r>
+              <a:rPr lang="pt-PT" dirty="0" smtClean="0"/>
+              <a:t>.</a:t>
+            </a:r>
             <a:endParaRPr lang="pt-PT" dirty="0" smtClean="0"/>
           </a:p>
           <a:p>
